--- a/Project/Mouse Game Overview.pptx
+++ b/Project/Mouse Game Overview.pptx
@@ -197,7 +197,7 @@
           <a:p>
             <a:fld id="{1010BE97-8B15-4626-8BAF-1839DF72E301}" type="datetimeFigureOut">
               <a:rPr lang="en-AU" smtClean="0"/>
-              <a:t>21/02/2020</a:t>
+              <a:t>06/03/2020</a:t>
             </a:fld>
             <a:endParaRPr lang="en-AU"/>
           </a:p>
@@ -703,7 +703,7 @@
           <a:p>
             <a:fld id="{482958FD-7186-4FDE-9BB5-3681197DA916}" type="datetimeFigureOut">
               <a:rPr lang="en-AU" smtClean="0"/>
-              <a:t>21/02/2020</a:t>
+              <a:t>06/03/2020</a:t>
             </a:fld>
             <a:endParaRPr lang="en-AU"/>
           </a:p>
@@ -903,7 +903,7 @@
           <a:p>
             <a:fld id="{482958FD-7186-4FDE-9BB5-3681197DA916}" type="datetimeFigureOut">
               <a:rPr lang="en-AU" smtClean="0"/>
-              <a:t>21/02/2020</a:t>
+              <a:t>06/03/2020</a:t>
             </a:fld>
             <a:endParaRPr lang="en-AU"/>
           </a:p>
@@ -1113,7 +1113,7 @@
           <a:p>
             <a:fld id="{482958FD-7186-4FDE-9BB5-3681197DA916}" type="datetimeFigureOut">
               <a:rPr lang="en-AU" smtClean="0"/>
-              <a:t>21/02/2020</a:t>
+              <a:t>06/03/2020</a:t>
             </a:fld>
             <a:endParaRPr lang="en-AU"/>
           </a:p>
@@ -1313,7 +1313,7 @@
           <a:p>
             <a:fld id="{482958FD-7186-4FDE-9BB5-3681197DA916}" type="datetimeFigureOut">
               <a:rPr lang="en-AU" smtClean="0"/>
-              <a:t>21/02/2020</a:t>
+              <a:t>06/03/2020</a:t>
             </a:fld>
             <a:endParaRPr lang="en-AU"/>
           </a:p>
@@ -1589,7 +1589,7 @@
           <a:p>
             <a:fld id="{482958FD-7186-4FDE-9BB5-3681197DA916}" type="datetimeFigureOut">
               <a:rPr lang="en-AU" smtClean="0"/>
-              <a:t>21/02/2020</a:t>
+              <a:t>06/03/2020</a:t>
             </a:fld>
             <a:endParaRPr lang="en-AU"/>
           </a:p>
@@ -1857,7 +1857,7 @@
           <a:p>
             <a:fld id="{482958FD-7186-4FDE-9BB5-3681197DA916}" type="datetimeFigureOut">
               <a:rPr lang="en-AU" smtClean="0"/>
-              <a:t>21/02/2020</a:t>
+              <a:t>06/03/2020</a:t>
             </a:fld>
             <a:endParaRPr lang="en-AU"/>
           </a:p>
@@ -2272,7 +2272,7 @@
           <a:p>
             <a:fld id="{482958FD-7186-4FDE-9BB5-3681197DA916}" type="datetimeFigureOut">
               <a:rPr lang="en-AU" smtClean="0"/>
-              <a:t>21/02/2020</a:t>
+              <a:t>06/03/2020</a:t>
             </a:fld>
             <a:endParaRPr lang="en-AU"/>
           </a:p>
@@ -2414,7 +2414,7 @@
           <a:p>
             <a:fld id="{482958FD-7186-4FDE-9BB5-3681197DA916}" type="datetimeFigureOut">
               <a:rPr lang="en-AU" smtClean="0"/>
-              <a:t>21/02/2020</a:t>
+              <a:t>06/03/2020</a:t>
             </a:fld>
             <a:endParaRPr lang="en-AU"/>
           </a:p>
@@ -2527,7 +2527,7 @@
           <a:p>
             <a:fld id="{482958FD-7186-4FDE-9BB5-3681197DA916}" type="datetimeFigureOut">
               <a:rPr lang="en-AU" smtClean="0"/>
-              <a:t>21/02/2020</a:t>
+              <a:t>06/03/2020</a:t>
             </a:fld>
             <a:endParaRPr lang="en-AU"/>
           </a:p>
@@ -2840,7 +2840,7 @@
           <a:p>
             <a:fld id="{482958FD-7186-4FDE-9BB5-3681197DA916}" type="datetimeFigureOut">
               <a:rPr lang="en-AU" smtClean="0"/>
-              <a:t>21/02/2020</a:t>
+              <a:t>06/03/2020</a:t>
             </a:fld>
             <a:endParaRPr lang="en-AU"/>
           </a:p>
@@ -3129,7 +3129,7 @@
           <a:p>
             <a:fld id="{482958FD-7186-4FDE-9BB5-3681197DA916}" type="datetimeFigureOut">
               <a:rPr lang="en-AU" smtClean="0"/>
-              <a:t>21/02/2020</a:t>
+              <a:t>06/03/2020</a:t>
             </a:fld>
             <a:endParaRPr lang="en-AU"/>
           </a:p>
@@ -3372,7 +3372,7 @@
           <a:p>
             <a:fld id="{482958FD-7186-4FDE-9BB5-3681197DA916}" type="datetimeFigureOut">
               <a:rPr lang="en-AU" smtClean="0"/>
-              <a:t>21/02/2020</a:t>
+              <a:t>06/03/2020</a:t>
             </a:fld>
             <a:endParaRPr lang="en-AU"/>
           </a:p>
@@ -4163,17 +4163,32 @@
             </a:r>
           </a:p>
           <a:p>
-            <a:pPr algn="just"/>
-            <a:r>
-              <a:rPr lang="en-AU" sz="800" dirty="0">
-                <a:solidFill>
-                  <a:schemeClr val="bg1"/>
-                </a:solidFill>
-              </a:rPr>
-              <a:t>The world in 2086AD has devolved into a pseudo feudal system, where corporations represent the new feudal fiefdoms and CEOs are the new lords and kings. Cities become the playthings of the corps, with the top tier corps binding together into cartels to run them. The action in Mouse takes place in Ruby district run by the Ruby cartel. The Ruby Cartel consists of the five major corps of Ruby district, </a:t>
-            </a:r>
-            <a:r>
-              <a:rPr lang="en-AU" sz="800" dirty="0" err="1">
+            <a:r>
+              <a:rPr lang="en-GB" sz="800" dirty="0">
+                <a:solidFill>
+                  <a:schemeClr val="bg1"/>
+                </a:solidFill>
+              </a:rPr>
+              <a:t>The world in 2086AD has devolved into a </a:t>
+            </a:r>
+            <a:r>
+              <a:rPr lang="en-GB" sz="800" dirty="0" err="1">
+                <a:solidFill>
+                  <a:schemeClr val="bg1"/>
+                </a:solidFill>
+              </a:rPr>
+              <a:t>psuedo</a:t>
+            </a:r>
+            <a:r>
+              <a:rPr lang="en-GB" sz="800" dirty="0">
+                <a:solidFill>
+                  <a:schemeClr val="bg1"/>
+                </a:solidFill>
+              </a:rPr>
+              <a:t> feudal system, where corporations represent the new feudal fiefdoms and CEOs are the new lords and kings. Cities become the playthings of the corps, with the top tier corps banding into the cartels to run them. The action in Mouse takes place in Ruby City, as run by the Ruby cartel. The Ruby Cartel consists of the five major corps of Ruby City, </a:t>
+            </a:r>
+            <a:r>
+              <a:rPr lang="en-GB" sz="800" dirty="0" err="1">
                 <a:solidFill>
                   <a:schemeClr val="bg1"/>
                 </a:solidFill>
@@ -4181,7 +4196,7 @@
               <a:t>Arisana</a:t>
             </a:r>
             <a:r>
-              <a:rPr lang="en-AU" sz="800" dirty="0">
+              <a:rPr lang="en-GB" sz="800" dirty="0">
                 <a:solidFill>
                   <a:schemeClr val="bg1"/>
                 </a:solidFill>
@@ -4189,7 +4204,7 @@
               <a:t> Corp, </a:t>
             </a:r>
             <a:r>
-              <a:rPr lang="en-AU" sz="800" dirty="0" err="1">
+              <a:rPr lang="en-GB" sz="800" dirty="0" err="1">
                 <a:solidFill>
                   <a:schemeClr val="bg1"/>
                 </a:solidFill>
@@ -4197,7 +4212,7 @@
               <a:t>Shein</a:t>
             </a:r>
             <a:r>
-              <a:rPr lang="en-AU" sz="800" dirty="0">
+              <a:rPr lang="en-GB" sz="800" dirty="0">
                 <a:solidFill>
                   <a:schemeClr val="bg1"/>
                 </a:solidFill>
@@ -4205,7 +4220,7 @@
               <a:t> </a:t>
             </a:r>
             <a:r>
-              <a:rPr lang="en-AU" sz="800" dirty="0" err="1">
+              <a:rPr lang="en-GB" sz="800" dirty="0" err="1">
                 <a:solidFill>
                   <a:schemeClr val="bg1"/>
                 </a:solidFill>
@@ -4213,7 +4228,7 @@
               <a:t>Biodatalytics</a:t>
             </a:r>
             <a:r>
-              <a:rPr lang="en-AU" sz="800" dirty="0">
+              <a:rPr lang="en-GB" sz="800" dirty="0">
                 <a:solidFill>
                   <a:schemeClr val="bg1"/>
                 </a:solidFill>
@@ -4221,7 +4236,7 @@
               <a:t> Corp, International Data Systems Corp, </a:t>
             </a:r>
             <a:r>
-              <a:rPr lang="en-AU" sz="800" dirty="0" err="1">
+              <a:rPr lang="en-GB" sz="800" dirty="0" err="1">
                 <a:solidFill>
                   <a:schemeClr val="bg1"/>
                 </a:solidFill>
@@ -4229,7 +4244,7 @@
               <a:t>Takashina</a:t>
             </a:r>
             <a:r>
-              <a:rPr lang="en-AU" sz="800" dirty="0">
+              <a:rPr lang="en-GB" sz="800" dirty="0">
                 <a:solidFill>
                   <a:schemeClr val="bg1"/>
                 </a:solidFill>
@@ -4237,7 +4252,7 @@
               <a:t> Biosystems Corp, </a:t>
             </a:r>
             <a:r>
-              <a:rPr lang="en-AU" sz="800" dirty="0" err="1">
+              <a:rPr lang="en-GB" sz="800" dirty="0" err="1">
                 <a:solidFill>
                   <a:schemeClr val="bg1"/>
                 </a:solidFill>
@@ -4245,45 +4260,41 @@
               <a:t>Helveti</a:t>
             </a:r>
             <a:r>
-              <a:rPr lang="en-AU" sz="800" dirty="0">
-                <a:solidFill>
-                  <a:schemeClr val="bg1"/>
-                </a:solidFill>
-              </a:rPr>
-              <a:t> Corp and all their subsidiaries.</a:t>
-            </a:r>
-          </a:p>
-          <a:p>
-            <a:pPr algn="just"/>
-            <a:endParaRPr lang="en-AU" sz="800" dirty="0">
+              <a:rPr lang="en-GB" sz="800" dirty="0">
+                <a:solidFill>
+                  <a:schemeClr val="bg1"/>
+                </a:solidFill>
+              </a:rPr>
+              <a:t> Corp and all their subsidiaries. </a:t>
+            </a:r>
+          </a:p>
+          <a:p>
+            <a:endParaRPr lang="en-GB" sz="800" dirty="0">
               <a:solidFill>
                 <a:schemeClr val="bg1"/>
               </a:solidFill>
             </a:endParaRPr>
           </a:p>
           <a:p>
-            <a:pPr algn="just"/>
-            <a:r>
-              <a:rPr lang="en-AU" sz="800" dirty="0">
-                <a:solidFill>
-                  <a:schemeClr val="bg1"/>
-                </a:solidFill>
-              </a:rPr>
-              <a:t>Much of the work force has been automated and robotised, and workers, called ‘contractors’ are the new peasants, handling the work that can’t (or won’t) be automated. The workforce is packaged and sold or rented like chattel between corporations.</a:t>
-            </a:r>
-          </a:p>
-          <a:p>
-            <a:pPr algn="just"/>
-            <a:endParaRPr lang="en-AU" sz="800" dirty="0">
+            <a:r>
+              <a:rPr lang="en-GB" sz="800" dirty="0">
+                <a:solidFill>
+                  <a:schemeClr val="bg1"/>
+                </a:solidFill>
+              </a:rPr>
+              <a:t>Much of the work force has been automated and robotised, and workers, called ‘contractors’ are the new peasants, handling the work that can’t (or won’t) be automated. The workforce is packaged and sold or rented like chattel between corporations. </a:t>
+            </a:r>
+          </a:p>
+          <a:p>
+            <a:endParaRPr lang="en-GB" sz="800" dirty="0">
               <a:solidFill>
                 <a:schemeClr val="bg1"/>
               </a:solidFill>
             </a:endParaRPr>
           </a:p>
           <a:p>
-            <a:pPr algn="just"/>
-            <a:r>
-              <a:rPr lang="en-AU" sz="800" dirty="0">
+            <a:r>
+              <a:rPr lang="en-GB" sz="800" dirty="0">
                 <a:solidFill>
                   <a:schemeClr val="bg1"/>
                 </a:solidFill>
@@ -4291,7 +4302,7 @@
               <a:t>Under the employment of the </a:t>
             </a:r>
             <a:r>
-              <a:rPr lang="en-AU" sz="800" dirty="0" err="1">
+              <a:rPr lang="en-GB" sz="800" dirty="0" err="1">
                 <a:solidFill>
                   <a:schemeClr val="bg1"/>
                 </a:solidFill>
@@ -4299,7 +4310,7 @@
               <a:t>Arisana</a:t>
             </a:r>
             <a:r>
-              <a:rPr lang="en-AU" sz="800" dirty="0">
+              <a:rPr lang="en-GB" sz="800" dirty="0">
                 <a:solidFill>
                   <a:schemeClr val="bg1"/>
                 </a:solidFill>
@@ -4307,7 +4318,7 @@
               <a:t> Corp, Mouse’s role is that as a professional thief within the system. While she’s a contractor, her role allows her greater privileges than most, to allow her steal corporate secrets and commits corporate espionage on behalf of the </a:t>
             </a:r>
             <a:r>
-              <a:rPr lang="en-AU" sz="800" dirty="0" err="1">
+              <a:rPr lang="en-GB" sz="800" dirty="0" err="1">
                 <a:solidFill>
                   <a:schemeClr val="bg1"/>
                 </a:solidFill>
@@ -4315,12 +4326,12 @@
               <a:t>Arisana</a:t>
             </a:r>
             <a:r>
-              <a:rPr lang="en-AU" sz="800" dirty="0">
-                <a:solidFill>
-                  <a:schemeClr val="bg1"/>
-                </a:solidFill>
-              </a:rPr>
-              <a:t> Corp management.</a:t>
+              <a:rPr lang="en-GB" sz="800" dirty="0">
+                <a:solidFill>
+                  <a:schemeClr val="bg1"/>
+                </a:solidFill>
+              </a:rPr>
+              <a:t> Corp management. </a:t>
             </a:r>
           </a:p>
           <a:p>
